--- a/Презентация Microsoft PowerPoint.pptx
+++ b/Презентация Microsoft PowerPoint.pptx
@@ -247,7 +247,7 @@
           <a:p>
             <a:fld id="{73E1B2A6-5B64-4F2B-B871-FA39CDF7BAF9}" type="datetimeFigureOut">
               <a:rPr lang="ru-RU" smtClean="0"/>
-              <a:t>28.12.2021</a:t>
+              <a:t>10.01.2022</a:t>
             </a:fld>
             <a:endParaRPr lang="ru-RU"/>
           </a:p>
@@ -417,7 +417,7 @@
           <a:p>
             <a:fld id="{73E1B2A6-5B64-4F2B-B871-FA39CDF7BAF9}" type="datetimeFigureOut">
               <a:rPr lang="ru-RU" smtClean="0"/>
-              <a:t>28.12.2021</a:t>
+              <a:t>10.01.2022</a:t>
             </a:fld>
             <a:endParaRPr lang="ru-RU"/>
           </a:p>
@@ -597,7 +597,7 @@
           <a:p>
             <a:fld id="{73E1B2A6-5B64-4F2B-B871-FA39CDF7BAF9}" type="datetimeFigureOut">
               <a:rPr lang="ru-RU" smtClean="0"/>
-              <a:t>28.12.2021</a:t>
+              <a:t>10.01.2022</a:t>
             </a:fld>
             <a:endParaRPr lang="ru-RU"/>
           </a:p>
@@ -767,7 +767,7 @@
           <a:p>
             <a:fld id="{73E1B2A6-5B64-4F2B-B871-FA39CDF7BAF9}" type="datetimeFigureOut">
               <a:rPr lang="ru-RU" smtClean="0"/>
-              <a:t>28.12.2021</a:t>
+              <a:t>10.01.2022</a:t>
             </a:fld>
             <a:endParaRPr lang="ru-RU"/>
           </a:p>
@@ -1013,7 +1013,7 @@
           <a:p>
             <a:fld id="{73E1B2A6-5B64-4F2B-B871-FA39CDF7BAF9}" type="datetimeFigureOut">
               <a:rPr lang="ru-RU" smtClean="0"/>
-              <a:t>28.12.2021</a:t>
+              <a:t>10.01.2022</a:t>
             </a:fld>
             <a:endParaRPr lang="ru-RU"/>
           </a:p>
@@ -1245,7 +1245,7 @@
           <a:p>
             <a:fld id="{73E1B2A6-5B64-4F2B-B871-FA39CDF7BAF9}" type="datetimeFigureOut">
               <a:rPr lang="ru-RU" smtClean="0"/>
-              <a:t>28.12.2021</a:t>
+              <a:t>10.01.2022</a:t>
             </a:fld>
             <a:endParaRPr lang="ru-RU"/>
           </a:p>
@@ -1612,7 +1612,7 @@
           <a:p>
             <a:fld id="{73E1B2A6-5B64-4F2B-B871-FA39CDF7BAF9}" type="datetimeFigureOut">
               <a:rPr lang="ru-RU" smtClean="0"/>
-              <a:t>28.12.2021</a:t>
+              <a:t>10.01.2022</a:t>
             </a:fld>
             <a:endParaRPr lang="ru-RU"/>
           </a:p>
@@ -1730,7 +1730,7 @@
           <a:p>
             <a:fld id="{73E1B2A6-5B64-4F2B-B871-FA39CDF7BAF9}" type="datetimeFigureOut">
               <a:rPr lang="ru-RU" smtClean="0"/>
-              <a:t>28.12.2021</a:t>
+              <a:t>10.01.2022</a:t>
             </a:fld>
             <a:endParaRPr lang="ru-RU"/>
           </a:p>
@@ -1825,7 +1825,7 @@
           <a:p>
             <a:fld id="{73E1B2A6-5B64-4F2B-B871-FA39CDF7BAF9}" type="datetimeFigureOut">
               <a:rPr lang="ru-RU" smtClean="0"/>
-              <a:t>28.12.2021</a:t>
+              <a:t>10.01.2022</a:t>
             </a:fld>
             <a:endParaRPr lang="ru-RU"/>
           </a:p>
@@ -2102,7 +2102,7 @@
           <a:p>
             <a:fld id="{73E1B2A6-5B64-4F2B-B871-FA39CDF7BAF9}" type="datetimeFigureOut">
               <a:rPr lang="ru-RU" smtClean="0"/>
-              <a:t>28.12.2021</a:t>
+              <a:t>10.01.2022</a:t>
             </a:fld>
             <a:endParaRPr lang="ru-RU"/>
           </a:p>
@@ -2355,7 +2355,7 @@
           <a:p>
             <a:fld id="{73E1B2A6-5B64-4F2B-B871-FA39CDF7BAF9}" type="datetimeFigureOut">
               <a:rPr lang="ru-RU" smtClean="0"/>
-              <a:t>28.12.2021</a:t>
+              <a:t>10.01.2022</a:t>
             </a:fld>
             <a:endParaRPr lang="ru-RU"/>
           </a:p>
@@ -2568,7 +2568,7 @@
           <a:p>
             <a:fld id="{73E1B2A6-5B64-4F2B-B871-FA39CDF7BAF9}" type="datetimeFigureOut">
               <a:rPr lang="ru-RU" smtClean="0"/>
-              <a:t>28.12.2021</a:t>
+              <a:t>10.01.2022</a:t>
             </a:fld>
             <a:endParaRPr lang="ru-RU"/>
           </a:p>
@@ -2975,7 +2975,7 @@
       </p:grpSpPr>
       <p:pic>
         <p:nvPicPr>
-          <p:cNvPr id="2" name="Рисунок 1"/>
+          <p:cNvPr id="3" name="Рисунок 2"/>
           <p:cNvPicPr>
             <a:picLocks noChangeAspect="1"/>
           </p:cNvPicPr>
@@ -3035,7 +3035,7 @@
       </p:grpSpPr>
       <p:pic>
         <p:nvPicPr>
-          <p:cNvPr id="2" name="Рисунок 1"/>
+          <p:cNvPr id="3" name="Рисунок 2"/>
           <p:cNvPicPr>
             <a:picLocks noChangeAspect="1"/>
           </p:cNvPicPr>
@@ -3095,7 +3095,7 @@
       </p:grpSpPr>
       <p:pic>
         <p:nvPicPr>
-          <p:cNvPr id="2" name="Рисунок 1"/>
+          <p:cNvPr id="3" name="Рисунок 2"/>
           <p:cNvPicPr>
             <a:picLocks noChangeAspect="1"/>
           </p:cNvPicPr>
@@ -3155,7 +3155,7 @@
       </p:grpSpPr>
       <p:pic>
         <p:nvPicPr>
-          <p:cNvPr id="2" name="Рисунок 1"/>
+          <p:cNvPr id="3" name="Рисунок 2"/>
           <p:cNvPicPr>
             <a:picLocks noChangeAspect="1"/>
           </p:cNvPicPr>
@@ -3215,7 +3215,7 @@
       </p:grpSpPr>
       <p:pic>
         <p:nvPicPr>
-          <p:cNvPr id="2" name="Рисунок 1"/>
+          <p:cNvPr id="3" name="Рисунок 2"/>
           <p:cNvPicPr>
             <a:picLocks noChangeAspect="1"/>
           </p:cNvPicPr>
